--- a/Invoice-extractor.pptx
+++ b/Invoice-extractor.pptx
@@ -2088,7 +2088,7 @@
           </a:lstStyle>
           <a:p>
             <a:fld id="{97AF6D82-066C-FA4D-8270-4E3B76B0A85B}" type="datetimeFigureOut">
-              <a:t>1/9/2024</a:t>
+              <a:t>1/10/2024</a:t>
             </a:fld>
             <a:endParaRPr lang="en-LT"/>
           </a:p>
@@ -2590,7 +2590,7 @@
           <a:lstStyle/>
           <a:p>
             <a:fld id="{5C1621EB-52E9-864A-B0F6-E4DE6976EFAF}" type="datetimeFigureOut">
-              <a:t>1/9/2024</a:t>
+              <a:t>1/10/2024</a:t>
             </a:fld>
             <a:endParaRPr lang="en-LT"/>
           </a:p>
@@ -2788,7 +2788,7 @@
           <a:lstStyle/>
           <a:p>
             <a:fld id="{5C1621EB-52E9-864A-B0F6-E4DE6976EFAF}" type="datetimeFigureOut">
-              <a:t>1/9/2024</a:t>
+              <a:t>1/10/2024</a:t>
             </a:fld>
             <a:endParaRPr lang="en-LT"/>
           </a:p>
@@ -2996,7 +2996,7 @@
           <a:lstStyle/>
           <a:p>
             <a:fld id="{5C1621EB-52E9-864A-B0F6-E4DE6976EFAF}" type="datetimeFigureOut">
-              <a:t>1/9/2024</a:t>
+              <a:t>1/10/2024</a:t>
             </a:fld>
             <a:endParaRPr lang="en-LT"/>
           </a:p>
@@ -3194,7 +3194,7 @@
           <a:lstStyle/>
           <a:p>
             <a:fld id="{5C1621EB-52E9-864A-B0F6-E4DE6976EFAF}" type="datetimeFigureOut">
-              <a:t>1/9/2024</a:t>
+              <a:t>1/10/2024</a:t>
             </a:fld>
             <a:endParaRPr lang="en-LT"/>
           </a:p>
@@ -3468,7 +3468,7 @@
           <a:lstStyle/>
           <a:p>
             <a:fld id="{5C1621EB-52E9-864A-B0F6-E4DE6976EFAF}" type="datetimeFigureOut">
-              <a:t>1/9/2024</a:t>
+              <a:t>1/10/2024</a:t>
             </a:fld>
             <a:endParaRPr lang="en-LT"/>
           </a:p>
@@ -3734,7 +3734,7 @@
           <a:lstStyle/>
           <a:p>
             <a:fld id="{5C1621EB-52E9-864A-B0F6-E4DE6976EFAF}" type="datetimeFigureOut">
-              <a:t>1/9/2024</a:t>
+              <a:t>1/10/2024</a:t>
             </a:fld>
             <a:endParaRPr lang="en-LT"/>
           </a:p>
@@ -4147,7 +4147,7 @@
           <a:lstStyle/>
           <a:p>
             <a:fld id="{5C1621EB-52E9-864A-B0F6-E4DE6976EFAF}" type="datetimeFigureOut">
-              <a:t>1/9/2024</a:t>
+              <a:t>1/10/2024</a:t>
             </a:fld>
             <a:endParaRPr lang="en-LT"/>
           </a:p>
@@ -4287,7 +4287,7 @@
           <a:lstStyle/>
           <a:p>
             <a:fld id="{5C1621EB-52E9-864A-B0F6-E4DE6976EFAF}" type="datetimeFigureOut">
-              <a:t>1/9/2024</a:t>
+              <a:t>1/10/2024</a:t>
             </a:fld>
             <a:endParaRPr lang="en-LT"/>
           </a:p>
@@ -4398,7 +4398,7 @@
           <a:lstStyle/>
           <a:p>
             <a:fld id="{5C1621EB-52E9-864A-B0F6-E4DE6976EFAF}" type="datetimeFigureOut">
-              <a:t>1/9/2024</a:t>
+              <a:t>1/10/2024</a:t>
             </a:fld>
             <a:endParaRPr lang="en-LT"/>
           </a:p>
@@ -4709,7 +4709,7 @@
           <a:lstStyle/>
           <a:p>
             <a:fld id="{5C1621EB-52E9-864A-B0F6-E4DE6976EFAF}" type="datetimeFigureOut">
-              <a:t>1/9/2024</a:t>
+              <a:t>1/10/2024</a:t>
             </a:fld>
             <a:endParaRPr lang="en-LT"/>
           </a:p>
@@ -4996,7 +4996,7 @@
           <a:lstStyle/>
           <a:p>
             <a:fld id="{5C1621EB-52E9-864A-B0F6-E4DE6976EFAF}" type="datetimeFigureOut">
-              <a:t>1/9/2024</a:t>
+              <a:t>1/10/2024</a:t>
             </a:fld>
             <a:endParaRPr lang="en-LT"/>
           </a:p>
@@ -5237,7 +5237,7 @@
           </a:lstStyle>
           <a:p>
             <a:fld id="{5C1621EB-52E9-864A-B0F6-E4DE6976EFAF}" type="datetimeFigureOut">
-              <a:t>1/9/2024</a:t>
+              <a:t>1/10/2024</a:t>
             </a:fld>
             <a:endParaRPr lang="en-LT"/>
           </a:p>
@@ -5839,8 +5839,8 @@
           </a:prstGeom>
         </p:spPr>
       </p:pic>
-      <mc:AlternateContent xmlns:mc="http://schemas.openxmlformats.org/markup-compatibility/2006">
-        <mc:Choice xmlns:psez="http://schemas.microsoft.com/office/powerpoint/2016/sectionzoom" Requires="psez">
+      <mc:AlternateContent xmlns:mc="http://schemas.openxmlformats.org/markup-compatibility/2006" xmlns:psez="http://schemas.microsoft.com/office/powerpoint/2016/sectionzoom">
+        <mc:Choice Requires="psez">
           <p:graphicFrame>
             <p:nvGraphicFramePr>
               <p:cNvPr id="48" name="Section Zoom 47">
@@ -5892,7 +5892,7 @@
             </a:graphic>
           </p:graphicFrame>
         </mc:Choice>
-        <mc:Fallback>
+        <mc:Fallback xmlns="">
           <p:pic>
             <p:nvPicPr>
               <p:cNvPr id="48" name="Section Zoom 47">
@@ -5909,7 +5909,7 @@
               <p:nvPr/>
             </p:nvPicPr>
             <p:blipFill>
-              <a:blip r:embed="rId4"/>
+              <a:blip r:embed="rId6"/>
               <a:stretch>
                 <a:fillRect/>
               </a:stretch>
@@ -5926,8 +5926,8 @@
           </p:pic>
         </mc:Fallback>
       </mc:AlternateContent>
-      <mc:AlternateContent xmlns:mc="http://schemas.openxmlformats.org/markup-compatibility/2006">
-        <mc:Choice xmlns:psez="http://schemas.microsoft.com/office/powerpoint/2016/sectionzoom" Requires="psez">
+      <mc:AlternateContent xmlns:mc="http://schemas.openxmlformats.org/markup-compatibility/2006" xmlns:psez="http://schemas.microsoft.com/office/powerpoint/2016/sectionzoom">
+        <mc:Choice Requires="psez">
           <p:graphicFrame>
             <p:nvGraphicFramePr>
               <p:cNvPr id="50" name="Section Zoom 49">
@@ -5958,7 +5958,7 @@
                   <psez:sectionZmObj sectionId="{DBB0F080-D76F-2449-A8A8-97428CE5CDE4}">
                     <psez:zmPr id="{DB5D14D5-487C-45EC-9653-2F8292359740}" transitionDur="1000" showBg="0">
                       <p166:blipFill xmlns:p166="http://schemas.microsoft.com/office/powerpoint/2016/6/main">
-                        <a:blip r:embed="rId6"/>
+                        <a:blip r:embed="rId7"/>
                         <a:stretch>
                           <a:fillRect/>
                         </a:stretch>
@@ -5979,11 +5979,11 @@
             </a:graphic>
           </p:graphicFrame>
         </mc:Choice>
-        <mc:Fallback>
+        <mc:Fallback xmlns="">
           <p:pic>
             <p:nvPicPr>
               <p:cNvPr id="50" name="Section Zoom 49">
-                <a:hlinkClick r:id="rId7" action="ppaction://hlinksldjump"/>
+                <a:hlinkClick r:id="rId8" action="ppaction://hlinksldjump"/>
                 <a:extLst>
                   <a:ext uri="{FF2B5EF4-FFF2-40B4-BE49-F238E27FC236}">
                     <a16:creationId xmlns:a16="http://schemas.microsoft.com/office/drawing/2014/main" id="{B8003A62-7E5B-7892-0A69-27518BEFE2AB}"/>
@@ -5996,7 +5996,7 @@
               <p:nvPr/>
             </p:nvPicPr>
             <p:blipFill>
-              <a:blip r:embed="rId6"/>
+              <a:blip r:embed="rId9"/>
               <a:stretch>
                 <a:fillRect/>
               </a:stretch>
@@ -6013,8 +6013,8 @@
           </p:pic>
         </mc:Fallback>
       </mc:AlternateContent>
-      <mc:AlternateContent xmlns:mc="http://schemas.openxmlformats.org/markup-compatibility/2006">
-        <mc:Choice xmlns:psez="http://schemas.microsoft.com/office/powerpoint/2016/sectionzoom" Requires="psez">
+      <mc:AlternateContent xmlns:mc="http://schemas.openxmlformats.org/markup-compatibility/2006" xmlns:psez="http://schemas.microsoft.com/office/powerpoint/2016/sectionzoom">
+        <mc:Choice Requires="psez">
           <p:graphicFrame>
             <p:nvGraphicFramePr>
               <p:cNvPr id="52" name="Section Zoom 51">
@@ -6045,7 +6045,7 @@
                   <psez:sectionZmObj sectionId="{D01103C6-D9B4-874A-903D-1D54C47D2E73}">
                     <psez:zmPr id="{6622FC79-384E-41D4-8C74-92A243AC148A}" transitionDur="1000" showBg="0">
                       <p166:blipFill xmlns:p166="http://schemas.microsoft.com/office/powerpoint/2016/6/main">
-                        <a:blip r:embed="rId8"/>
+                        <a:blip r:embed="rId10"/>
                         <a:stretch>
                           <a:fillRect/>
                         </a:stretch>
@@ -6066,11 +6066,11 @@
             </a:graphic>
           </p:graphicFrame>
         </mc:Choice>
-        <mc:Fallback>
+        <mc:Fallback xmlns="">
           <p:pic>
             <p:nvPicPr>
               <p:cNvPr id="52" name="Section Zoom 51">
-                <a:hlinkClick r:id="rId9" action="ppaction://hlinksldjump"/>
+                <a:hlinkClick r:id="rId11" action="ppaction://hlinksldjump"/>
                 <a:extLst>
                   <a:ext uri="{FF2B5EF4-FFF2-40B4-BE49-F238E27FC236}">
                     <a16:creationId xmlns:a16="http://schemas.microsoft.com/office/drawing/2014/main" id="{DEE41A94-9D91-616A-E47A-9E0296AC25F4}"/>
@@ -6083,7 +6083,7 @@
               <p:nvPr/>
             </p:nvPicPr>
             <p:blipFill>
-              <a:blip r:embed="rId8"/>
+              <a:blip r:embed="rId12"/>
               <a:stretch>
                 <a:fillRect/>
               </a:stretch>
@@ -6100,8 +6100,8 @@
           </p:pic>
         </mc:Fallback>
       </mc:AlternateContent>
-      <mc:AlternateContent xmlns:mc="http://schemas.openxmlformats.org/markup-compatibility/2006">
-        <mc:Choice xmlns:psez="http://schemas.microsoft.com/office/powerpoint/2016/sectionzoom" Requires="psez">
+      <mc:AlternateContent xmlns:mc="http://schemas.openxmlformats.org/markup-compatibility/2006" xmlns:psez="http://schemas.microsoft.com/office/powerpoint/2016/sectionzoom">
+        <mc:Choice Requires="psez">
           <p:graphicFrame>
             <p:nvGraphicFramePr>
               <p:cNvPr id="54" name="Section Zoom 53">
@@ -6132,7 +6132,7 @@
                   <psez:sectionZmObj sectionId="{17ED8106-7472-CA40-A9D6-5927206203E6}">
                     <psez:zmPr id="{529F0968-6600-4B58-AE79-BA337AA1CFBF}" transitionDur="1000" showBg="0">
                       <p166:blipFill xmlns:p166="http://schemas.microsoft.com/office/powerpoint/2016/6/main">
-                        <a:blip r:embed="rId10"/>
+                        <a:blip r:embed="rId13"/>
                         <a:stretch>
                           <a:fillRect/>
                         </a:stretch>
@@ -6153,11 +6153,11 @@
             </a:graphic>
           </p:graphicFrame>
         </mc:Choice>
-        <mc:Fallback>
+        <mc:Fallback xmlns="">
           <p:pic>
             <p:nvPicPr>
               <p:cNvPr id="54" name="Section Zoom 53">
-                <a:hlinkClick r:id="rId11" action="ppaction://hlinksldjump"/>
+                <a:hlinkClick r:id="rId14" action="ppaction://hlinksldjump"/>
                 <a:extLst>
                   <a:ext uri="{FF2B5EF4-FFF2-40B4-BE49-F238E27FC236}">
                     <a16:creationId xmlns:a16="http://schemas.microsoft.com/office/drawing/2014/main" id="{F85CB859-2C22-8D19-D302-553B7E592B53}"/>
@@ -6170,7 +6170,7 @@
               <p:nvPr/>
             </p:nvPicPr>
             <p:blipFill>
-              <a:blip r:embed="rId10"/>
+              <a:blip r:embed="rId15"/>
               <a:stretch>
                 <a:fillRect/>
               </a:stretch>
@@ -6187,8 +6187,8 @@
           </p:pic>
         </mc:Fallback>
       </mc:AlternateContent>
-      <mc:AlternateContent xmlns:mc="http://schemas.openxmlformats.org/markup-compatibility/2006">
-        <mc:Choice xmlns:psez="http://schemas.microsoft.com/office/powerpoint/2016/sectionzoom" Requires="psez">
+      <mc:AlternateContent xmlns:mc="http://schemas.openxmlformats.org/markup-compatibility/2006" xmlns:psez="http://schemas.microsoft.com/office/powerpoint/2016/sectionzoom">
+        <mc:Choice Requires="psez">
           <p:graphicFrame>
             <p:nvGraphicFramePr>
               <p:cNvPr id="80" name="Section Zoom 79">
@@ -6219,7 +6219,7 @@
                   <psez:sectionZmObj sectionId="{7AD5261B-8D5D-49B0-99FA-933B51692A33}">
                     <psez:zmPr id="{0C18A655-9E3F-44B3-A91C-7AC370545558}" transitionDur="1000" showBg="0">
                       <p166:blipFill xmlns:p166="http://schemas.microsoft.com/office/powerpoint/2016/6/main">
-                        <a:blip r:embed="rId12"/>
+                        <a:blip r:embed="rId16"/>
                         <a:stretch>
                           <a:fillRect/>
                         </a:stretch>
@@ -6240,11 +6240,11 @@
             </a:graphic>
           </p:graphicFrame>
         </mc:Choice>
-        <mc:Fallback>
+        <mc:Fallback xmlns="">
           <p:pic>
             <p:nvPicPr>
               <p:cNvPr id="80" name="Section Zoom 79">
-                <a:hlinkClick r:id="rId13" action="ppaction://hlinksldjump"/>
+                <a:hlinkClick r:id="rId17" action="ppaction://hlinksldjump"/>
                 <a:extLst>
                   <a:ext uri="{FF2B5EF4-FFF2-40B4-BE49-F238E27FC236}">
                     <a16:creationId xmlns:a16="http://schemas.microsoft.com/office/drawing/2014/main" id="{DB78C4D7-DC61-D9A8-B39F-CAF5B263F450}"/>
@@ -6257,7 +6257,7 @@
               <p:nvPr/>
             </p:nvPicPr>
             <p:blipFill>
-              <a:blip r:embed="rId12"/>
+              <a:blip r:embed="rId18"/>
               <a:stretch>
                 <a:fillRect/>
               </a:stretch>
@@ -6274,8 +6274,8 @@
           </p:pic>
         </mc:Fallback>
       </mc:AlternateContent>
-      <mc:AlternateContent xmlns:mc="http://schemas.openxmlformats.org/markup-compatibility/2006">
-        <mc:Choice xmlns:psez="http://schemas.microsoft.com/office/powerpoint/2016/sectionzoom" Requires="psez">
+      <mc:AlternateContent xmlns:mc="http://schemas.openxmlformats.org/markup-compatibility/2006" xmlns:psez="http://schemas.microsoft.com/office/powerpoint/2016/sectionzoom">
+        <mc:Choice Requires="psez">
           <p:graphicFrame>
             <p:nvGraphicFramePr>
               <p:cNvPr id="82" name="Section Zoom 81">
@@ -6306,7 +6306,7 @@
                   <psez:sectionZmObj sectionId="{E5A9D6B8-C6A8-4B9A-9EC8-597409E921E1}">
                     <psez:zmPr id="{8841D953-36C1-4B3F-955D-0A069731F929}" transitionDur="1000" showBg="0">
                       <p166:blipFill xmlns:p166="http://schemas.microsoft.com/office/powerpoint/2016/6/main">
-                        <a:blip r:embed="rId14"/>
+                        <a:blip r:embed="rId19"/>
                         <a:stretch>
                           <a:fillRect/>
                         </a:stretch>
@@ -6327,11 +6327,11 @@
             </a:graphic>
           </p:graphicFrame>
         </mc:Choice>
-        <mc:Fallback>
+        <mc:Fallback xmlns="">
           <p:pic>
             <p:nvPicPr>
               <p:cNvPr id="82" name="Section Zoom 81">
-                <a:hlinkClick r:id="rId15" action="ppaction://hlinksldjump"/>
+                <a:hlinkClick r:id="rId20" action="ppaction://hlinksldjump"/>
                 <a:extLst>
                   <a:ext uri="{FF2B5EF4-FFF2-40B4-BE49-F238E27FC236}">
                     <a16:creationId xmlns:a16="http://schemas.microsoft.com/office/drawing/2014/main" id="{93B50FC9-D266-5ED1-6AFC-B4B9831203C7}"/>
@@ -6344,7 +6344,7 @@
               <p:nvPr/>
             </p:nvPicPr>
             <p:blipFill>
-              <a:blip r:embed="rId14"/>
+              <a:blip r:embed="rId21"/>
               <a:stretch>
                 <a:fillRect/>
               </a:stretch>
@@ -6361,8 +6361,8 @@
           </p:pic>
         </mc:Fallback>
       </mc:AlternateContent>
-      <mc:AlternateContent xmlns:mc="http://schemas.openxmlformats.org/markup-compatibility/2006">
-        <mc:Choice xmlns:psez="http://schemas.microsoft.com/office/powerpoint/2016/sectionzoom" Requires="psez">
+      <mc:AlternateContent xmlns:mc="http://schemas.openxmlformats.org/markup-compatibility/2006" xmlns:psez="http://schemas.microsoft.com/office/powerpoint/2016/sectionzoom">
+        <mc:Choice Requires="psez">
           <p:graphicFrame>
             <p:nvGraphicFramePr>
               <p:cNvPr id="84" name="Section Zoom 83">
@@ -6393,7 +6393,7 @@
                   <psez:sectionZmObj sectionId="{84D794BD-ED7F-476D-B475-D7F9AB6C3618}">
                     <psez:zmPr id="{843B2B8B-AF35-4315-8230-3D5D894956E2}" transitionDur="1000" showBg="0">
                       <p166:blipFill xmlns:p166="http://schemas.microsoft.com/office/powerpoint/2016/6/main">
-                        <a:blip r:embed="rId16"/>
+                        <a:blip r:embed="rId22"/>
                         <a:stretch>
                           <a:fillRect/>
                         </a:stretch>
@@ -6414,11 +6414,11 @@
             </a:graphic>
           </p:graphicFrame>
         </mc:Choice>
-        <mc:Fallback>
+        <mc:Fallback xmlns="">
           <p:pic>
             <p:nvPicPr>
               <p:cNvPr id="84" name="Section Zoom 83">
-                <a:hlinkClick r:id="rId17" action="ppaction://hlinksldjump"/>
+                <a:hlinkClick r:id="rId23" action="ppaction://hlinksldjump"/>
                 <a:extLst>
                   <a:ext uri="{FF2B5EF4-FFF2-40B4-BE49-F238E27FC236}">
                     <a16:creationId xmlns:a16="http://schemas.microsoft.com/office/drawing/2014/main" id="{8322871E-5942-6CD0-1C8F-588C102B00AB}"/>
@@ -6431,7 +6431,7 @@
               <p:nvPr/>
             </p:nvPicPr>
             <p:blipFill>
-              <a:blip r:embed="rId16"/>
+              <a:blip r:embed="rId24"/>
               <a:stretch>
                 <a:fillRect/>
               </a:stretch>
@@ -6448,8 +6448,8 @@
           </p:pic>
         </mc:Fallback>
       </mc:AlternateContent>
-      <mc:AlternateContent xmlns:mc="http://schemas.openxmlformats.org/markup-compatibility/2006">
-        <mc:Choice xmlns:psez="http://schemas.microsoft.com/office/powerpoint/2016/sectionzoom" Requires="psez">
+      <mc:AlternateContent xmlns:mc="http://schemas.openxmlformats.org/markup-compatibility/2006" xmlns:psez="http://schemas.microsoft.com/office/powerpoint/2016/sectionzoom">
+        <mc:Choice Requires="psez">
           <p:graphicFrame>
             <p:nvGraphicFramePr>
               <p:cNvPr id="92" name="Section Zoom 91">
@@ -6480,7 +6480,7 @@
                   <psez:sectionZmObj sectionId="{B575BEAE-50E3-4478-ABAB-706945493FC2}">
                     <psez:zmPr id="{B8B948C9-1D65-420B-8C6E-811C49548076}" transitionDur="1000" showBg="0">
                       <p166:blipFill xmlns:p166="http://schemas.microsoft.com/office/powerpoint/2016/6/main">
-                        <a:blip r:embed="rId18"/>
+                        <a:blip r:embed="rId25"/>
                         <a:stretch>
                           <a:fillRect/>
                         </a:stretch>
@@ -6501,11 +6501,11 @@
             </a:graphic>
           </p:graphicFrame>
         </mc:Choice>
-        <mc:Fallback>
+        <mc:Fallback xmlns="">
           <p:pic>
             <p:nvPicPr>
               <p:cNvPr id="92" name="Section Zoom 91">
-                <a:hlinkClick r:id="rId19" action="ppaction://hlinksldjump"/>
+                <a:hlinkClick r:id="rId26" action="ppaction://hlinksldjump"/>
                 <a:extLst>
                   <a:ext uri="{FF2B5EF4-FFF2-40B4-BE49-F238E27FC236}">
                     <a16:creationId xmlns:a16="http://schemas.microsoft.com/office/drawing/2014/main" id="{5007BA3F-6CA5-0AFC-97EE-B9C5CAC6AE5E}"/>
@@ -6518,7 +6518,7 @@
               <p:nvPr/>
             </p:nvPicPr>
             <p:blipFill>
-              <a:blip r:embed="rId18"/>
+              <a:blip r:embed="rId27"/>
               <a:stretch>
                 <a:fillRect/>
               </a:stretch>
@@ -9411,8 +9411,8 @@
         </p:nvSpPr>
         <p:spPr>
           <a:xfrm>
-            <a:off x="3011455" y="3020399"/>
-            <a:ext cx="6172200" cy="2585323"/>
+            <a:off x="3878035" y="1195349"/>
+            <a:ext cx="4435929" cy="4247317"/>
           </a:xfrm>
           <a:prstGeom prst="rect">
             <a:avLst/>
@@ -9425,6 +9425,10 @@
           </a:bodyPr>
           <a:lstStyle/>
           <a:p>
+            <a:pPr marL="285750" indent="-285750">
+              <a:buFont typeface="Arial" panose="020B0604020202020204" pitchFamily="34" charset="0"/>
+              <a:buChar char="•"/>
+            </a:pPr>
             <a:r>
               <a:rPr lang="en-IN" b="1" i="0" dirty="0">
                 <a:effectLst/>
@@ -9434,6 +9438,20 @@
             </a:r>
           </a:p>
           <a:p>
+            <a:pPr marL="285750" indent="-285750">
+              <a:buFont typeface="Arial" panose="020B0604020202020204" pitchFamily="34" charset="0"/>
+              <a:buChar char="•"/>
+            </a:pPr>
+            <a:endParaRPr lang="en-IN" b="1" i="0" dirty="0">
+              <a:effectLst/>
+              <a:latin typeface="Söhne"/>
+            </a:endParaRPr>
+          </a:p>
+          <a:p>
+            <a:pPr marL="285750" indent="-285750">
+              <a:buFont typeface="Arial" panose="020B0604020202020204" pitchFamily="34" charset="0"/>
+              <a:buChar char="•"/>
+            </a:pPr>
             <a:r>
               <a:rPr lang="en-US" b="1" i="0" dirty="0">
                 <a:effectLst/>
@@ -9443,6 +9461,20 @@
             </a:r>
           </a:p>
           <a:p>
+            <a:pPr marL="285750" indent="-285750">
+              <a:buFont typeface="Arial" panose="020B0604020202020204" pitchFamily="34" charset="0"/>
+              <a:buChar char="•"/>
+            </a:pPr>
+            <a:endParaRPr lang="en-US" b="1" i="0" dirty="0">
+              <a:effectLst/>
+              <a:latin typeface="Söhne"/>
+            </a:endParaRPr>
+          </a:p>
+          <a:p>
+            <a:pPr marL="285750" indent="-285750">
+              <a:buFont typeface="Arial" panose="020B0604020202020204" pitchFamily="34" charset="0"/>
+              <a:buChar char="•"/>
+            </a:pPr>
             <a:r>
               <a:rPr lang="en-IN" b="1" i="0" dirty="0">
                 <a:effectLst/>
@@ -9450,11 +9482,21 @@
               </a:rPr>
               <a:t>Efficient Invoice Processing</a:t>
             </a:r>
+          </a:p>
+          <a:p>
+            <a:pPr marL="285750" indent="-285750">
+              <a:buFont typeface="Arial" panose="020B0604020202020204" pitchFamily="34" charset="0"/>
+              <a:buChar char="•"/>
+            </a:pPr>
             <a:endParaRPr lang="en-US" b="1" dirty="0">
               <a:latin typeface="Söhne"/>
             </a:endParaRPr>
           </a:p>
           <a:p>
+            <a:pPr marL="285750" indent="-285750">
+              <a:buFont typeface="Arial" panose="020B0604020202020204" pitchFamily="34" charset="0"/>
+              <a:buChar char="•"/>
+            </a:pPr>
             <a:r>
               <a:rPr lang="en-IN" b="1" i="0" dirty="0">
                 <a:effectLst/>
@@ -9462,11 +9504,21 @@
               </a:rPr>
               <a:t>Versatility Across Industries</a:t>
             </a:r>
+          </a:p>
+          <a:p>
+            <a:pPr marL="285750" indent="-285750">
+              <a:buFont typeface="Arial" panose="020B0604020202020204" pitchFamily="34" charset="0"/>
+              <a:buChar char="•"/>
+            </a:pPr>
             <a:endParaRPr lang="en-IN" b="1" dirty="0">
               <a:latin typeface="Söhne"/>
             </a:endParaRPr>
           </a:p>
           <a:p>
+            <a:pPr marL="285750" indent="-285750">
+              <a:buFont typeface="Arial" panose="020B0604020202020204" pitchFamily="34" charset="0"/>
+              <a:buChar char="•"/>
+            </a:pPr>
             <a:r>
               <a:rPr lang="en-IN" b="1" i="0" dirty="0">
                 <a:effectLst/>
@@ -9476,6 +9528,20 @@
             </a:r>
           </a:p>
           <a:p>
+            <a:pPr marL="285750" indent="-285750">
+              <a:buFont typeface="Arial" panose="020B0604020202020204" pitchFamily="34" charset="0"/>
+              <a:buChar char="•"/>
+            </a:pPr>
+            <a:endParaRPr lang="en-IN" b="1" i="0" dirty="0">
+              <a:effectLst/>
+              <a:latin typeface="Söhne"/>
+            </a:endParaRPr>
+          </a:p>
+          <a:p>
+            <a:pPr marL="285750" indent="-285750">
+              <a:buFont typeface="Arial" panose="020B0604020202020204" pitchFamily="34" charset="0"/>
+              <a:buChar char="•"/>
+            </a:pPr>
             <a:r>
               <a:rPr lang="en-IN" b="1" i="0" dirty="0">
                 <a:effectLst/>
@@ -9485,6 +9551,20 @@
             </a:r>
           </a:p>
           <a:p>
+            <a:pPr marL="285750" indent="-285750">
+              <a:buFont typeface="Arial" panose="020B0604020202020204" pitchFamily="34" charset="0"/>
+              <a:buChar char="•"/>
+            </a:pPr>
+            <a:endParaRPr lang="en-IN" b="1" i="0" dirty="0">
+              <a:effectLst/>
+              <a:latin typeface="Söhne"/>
+            </a:endParaRPr>
+          </a:p>
+          <a:p>
+            <a:pPr marL="285750" indent="-285750">
+              <a:buFont typeface="Arial" panose="020B0604020202020204" pitchFamily="34" charset="0"/>
+              <a:buChar char="•"/>
+            </a:pPr>
             <a:r>
               <a:rPr lang="en-IN" b="1" i="0" dirty="0">
                 <a:effectLst/>
@@ -9494,6 +9574,20 @@
             </a:r>
           </a:p>
           <a:p>
+            <a:pPr marL="285750" indent="-285750">
+              <a:buFont typeface="Arial" panose="020B0604020202020204" pitchFamily="34" charset="0"/>
+              <a:buChar char="•"/>
+            </a:pPr>
+            <a:endParaRPr lang="en-IN" b="1" i="0" dirty="0">
+              <a:effectLst/>
+              <a:latin typeface="Söhne"/>
+            </a:endParaRPr>
+          </a:p>
+          <a:p>
+            <a:pPr marL="285750" indent="-285750">
+              <a:buFont typeface="Arial" panose="020B0604020202020204" pitchFamily="34" charset="0"/>
+              <a:buChar char="•"/>
+            </a:pPr>
             <a:r>
               <a:rPr lang="en-IN" b="1" i="0" dirty="0">
                 <a:effectLst/>
@@ -9501,9 +9595,6 @@
               </a:rPr>
               <a:t>Reduced Error Rates</a:t>
             </a:r>
-          </a:p>
-          <a:p>
-            <a:endParaRPr lang="en-IN" dirty="0"/>
           </a:p>
         </p:txBody>
       </p:sp>
@@ -10133,8 +10224,8 @@
         </p:nvSpPr>
         <p:spPr>
           <a:xfrm>
-            <a:off x="3195735" y="1726194"/>
-            <a:ext cx="5800530" cy="3405612"/>
+            <a:off x="3195735" y="1735618"/>
+            <a:ext cx="5800530" cy="3397981"/>
           </a:xfrm>
           <a:prstGeom prst="rect">
             <a:avLst/>
@@ -10153,13 +10244,11 @@
               </a:lnSpc>
             </a:pPr>
             <a:r>
-              <a:rPr lang="en-IN" sz="2800" dirty="0">
+              <a:rPr lang="en-IN" sz="2800" b="1" dirty="0">
                 <a:solidFill>
-                  <a:schemeClr val="bg1">
-                    <a:lumMod val="95000"/>
-                  </a:schemeClr>
+                  <a:schemeClr val="bg1"/>
                 </a:solidFill>
-                <a:latin typeface="Bodoni MT" panose="02070603080606020203" pitchFamily="18" charset="0"/>
+                <a:latin typeface="Bahnschrift Light" panose="020B0502040204020203" pitchFamily="34" charset="0"/>
                 <a:ea typeface="Cambria" panose="02040503050406030204" pitchFamily="18" charset="0"/>
               </a:rPr>
               <a:t>CREATED BY: NIPUN SHRIVATS</a:t>
@@ -10172,16 +10261,14 @@
               </a:lnSpc>
             </a:pPr>
             <a:r>
-              <a:rPr lang="en-IN" sz="2800" dirty="0">
+              <a:rPr lang="en-IN" sz="2800" b="1" dirty="0">
                 <a:solidFill>
-                  <a:schemeClr val="bg1">
-                    <a:lumMod val="95000"/>
-                  </a:schemeClr>
+                  <a:schemeClr val="bg1"/>
                 </a:solidFill>
-                <a:latin typeface="Bodoni MT" panose="02070603080606020203" pitchFamily="18" charset="0"/>
+                <a:latin typeface="Bahnschrift Light" panose="020B0502040204020203" pitchFamily="34" charset="0"/>
                 <a:ea typeface="Cambria" panose="02040503050406030204" pitchFamily="18" charset="0"/>
               </a:rPr>
-              <a:t>SECTION-E</a:t>
+              <a:t>SECTION: E</a:t>
             </a:r>
           </a:p>
           <a:p>
@@ -10191,16 +10278,23 @@
               </a:lnSpc>
             </a:pPr>
             <a:r>
-              <a:rPr lang="en-IN" sz="2800" dirty="0">
+              <a:rPr lang="en-IN" sz="2800" b="1" dirty="0">
                 <a:solidFill>
-                  <a:schemeClr val="bg1">
-                    <a:lumMod val="95000"/>
-                  </a:schemeClr>
+                  <a:schemeClr val="bg1"/>
                 </a:solidFill>
-                <a:latin typeface="Bodoni MT" panose="02070603080606020203" pitchFamily="18" charset="0"/>
+                <a:latin typeface="Bahnschrift Light" panose="020B0502040204020203" pitchFamily="34" charset="0"/>
                 <a:ea typeface="Cambria" panose="02040503050406030204" pitchFamily="18" charset="0"/>
               </a:rPr>
-              <a:t>ROLL NO: 22711003</a:t>
+              <a:t>ROLL NO:</a:t>
+            </a:r>
+            <a:r>
+              <a:rPr lang="en-IN" sz="2800" b="1" i="0" u="none" strike="noStrike" baseline="0" dirty="0">
+                <a:solidFill>
+                  <a:schemeClr val="bg1"/>
+                </a:solidFill>
+                <a:latin typeface="Bahnschrift Light" panose="020B0502040204020203" pitchFamily="34" charset="0"/>
+              </a:rPr>
+              <a:t> 2201260 </a:t>
             </a:r>
           </a:p>
           <a:p>
@@ -10210,17 +10304,21 @@
               </a:lnSpc>
             </a:pPr>
             <a:r>
-              <a:rPr lang="en-IN" sz="2800" dirty="0">
+              <a:rPr lang="en-IN" sz="2800" b="1" i="0" u="none" strike="noStrike" baseline="0" dirty="0">
                 <a:solidFill>
-                  <a:schemeClr val="bg1">
-                    <a:lumMod val="95000"/>
-                  </a:schemeClr>
+                  <a:schemeClr val="bg1"/>
                 </a:solidFill>
-                <a:latin typeface="Bodoni MT" panose="02070603080606020203" pitchFamily="18" charset="0"/>
-                <a:ea typeface="Cambria" panose="02040503050406030204" pitchFamily="18" charset="0"/>
+                <a:latin typeface="Bahnschrift Light" panose="020B0502040204020203" pitchFamily="34" charset="0"/>
               </a:rPr>
-              <a:t>CLASS ROLL NO: 40</a:t>
-            </a:r>
+              <a:t> ENROLMENT NO: PV-22010260 </a:t>
+            </a:r>
+            <a:endParaRPr lang="en-IN" sz="2800" b="1" dirty="0">
+              <a:solidFill>
+                <a:schemeClr val="bg1"/>
+              </a:solidFill>
+              <a:latin typeface="Bahnschrift Light" panose="020B0502040204020203" pitchFamily="34" charset="0"/>
+              <a:ea typeface="Cambria" panose="02040503050406030204" pitchFamily="18" charset="0"/>
+            </a:endParaRPr>
           </a:p>
         </p:txBody>
       </p:sp>
